--- a/个人测试任务表/0112测试问题/0112测试.pptx
+++ b/个人测试任务表/0112测试问题/0112测试.pptx
@@ -5,12 +5,13 @@
     <p:sldMasterId id="2147483648" r:id="rId1"/>
   </p:sldMasterIdLst>
   <p:notesMasterIdLst>
-    <p:notesMasterId r:id="rId5"/>
+    <p:notesMasterId r:id="rId6"/>
   </p:notesMasterIdLst>
   <p:sldIdLst>
     <p:sldId id="256" r:id="rId2"/>
     <p:sldId id="257" r:id="rId3"/>
     <p:sldId id="258" r:id="rId4"/>
+    <p:sldId id="259" r:id="rId5"/>
   </p:sldIdLst>
   <p:sldSz cx="9144000" cy="6858000" type="screen4x3"/>
   <p:notesSz cx="6858000" cy="9144000"/>
@@ -121,6 +122,7 @@
         <p14:section name="无标题节" id="{393744CD-0968-4A9A-9473-B9DA9465E76A}">
           <p14:sldIdLst>
             <p14:sldId id="258"/>
+            <p14:sldId id="259"/>
           </p14:sldIdLst>
         </p14:section>
       </p14:sectionLst>
@@ -3677,7 +3679,7 @@
         <p:spPr bwMode="auto">
           <a:xfrm>
             <a:off x="107504" y="1412776"/>
-            <a:ext cx="3760336" cy="1219200"/>
+            <a:ext cx="3711622" cy="1219200"/>
           </a:xfrm>
           <a:prstGeom prst="rect">
             <a:avLst/>
@@ -3778,8 +3780,8 @@
         </p:blipFill>
         <p:spPr bwMode="auto">
           <a:xfrm>
-            <a:off x="38470" y="2708920"/>
-            <a:ext cx="3780656" cy="1781175"/>
+            <a:off x="38470" y="2708921"/>
+            <a:ext cx="3780656" cy="1737484"/>
           </a:xfrm>
           <a:prstGeom prst="rect">
             <a:avLst/>
@@ -3960,7 +3962,7 @@
         <p:spPr bwMode="auto">
           <a:xfrm>
             <a:off x="107504" y="5157190"/>
-            <a:ext cx="3737275" cy="1690489"/>
+            <a:ext cx="7776864" cy="1690489"/>
           </a:xfrm>
           <a:prstGeom prst="rect">
             <a:avLst/>
@@ -4287,7 +4289,7 @@
         </p:nvSpPr>
         <p:spPr>
           <a:xfrm>
-            <a:off x="3275856" y="3429001"/>
+            <a:off x="3133725" y="3451743"/>
             <a:ext cx="1872208" cy="369332"/>
           </a:xfrm>
           <a:prstGeom prst="rect">
@@ -4590,8 +4592,8 @@
         </p:blipFill>
         <p:spPr bwMode="auto">
           <a:xfrm>
-            <a:off x="0" y="7268"/>
-            <a:ext cx="3204989" cy="1117476"/>
+            <a:off x="21780" y="-31253"/>
+            <a:ext cx="3206848" cy="1193055"/>
           </a:xfrm>
           <a:prstGeom prst="rect">
             <a:avLst/>
@@ -5073,6 +5075,330 @@
     <p:extLst>
       <p:ext uri="{BB962C8B-B14F-4D97-AF65-F5344CB8AC3E}">
         <p14:creationId xmlns:p14="http://schemas.microsoft.com/office/powerpoint/2010/main" val="2766975319"/>
+      </p:ext>
+    </p:extLst>
+  </p:cSld>
+  <p:clrMapOvr>
+    <a:masterClrMapping/>
+  </p:clrMapOvr>
+</p:sld>
+</file>
+
+<file path=ppt/slides/slide4.xml><?xml version="1.0" encoding="utf-8"?>
+<p:sld xmlns:a="http://schemas.openxmlformats.org/drawingml/2006/main" xmlns:r="http://schemas.openxmlformats.org/officeDocument/2006/relationships" xmlns:p="http://schemas.openxmlformats.org/presentationml/2006/main">
+  <p:cSld>
+    <p:spTree>
+      <p:nvGrpSpPr>
+        <p:cNvPr id="1" name=""/>
+        <p:cNvGrpSpPr/>
+        <p:nvPr/>
+      </p:nvGrpSpPr>
+      <p:grpSpPr>
+        <a:xfrm>
+          <a:off x="0" y="0"/>
+          <a:ext cx="0" cy="0"/>
+          <a:chOff x="0" y="0"/>
+          <a:chExt cx="0" cy="0"/>
+        </a:xfrm>
+      </p:grpSpPr>
+      <p:pic>
+        <p:nvPicPr>
+          <p:cNvPr id="2050" name="Picture 2"/>
+          <p:cNvPicPr>
+            <a:picLocks noChangeAspect="1" noChangeArrowheads="1"/>
+          </p:cNvPicPr>
+          <p:nvPr/>
+        </p:nvPicPr>
+        <p:blipFill>
+          <a:blip r:embed="rId2" cstate="print">
+            <a:extLst>
+              <a:ext uri="{28A0092B-C50C-407E-A947-70E740481C1C}">
+                <a14:useLocalDpi xmlns:a14="http://schemas.microsoft.com/office/drawing/2010/main" val="0"/>
+              </a:ext>
+            </a:extLst>
+          </a:blip>
+          <a:srcRect/>
+          <a:stretch>
+            <a:fillRect/>
+          </a:stretch>
+        </p:blipFill>
+        <p:spPr bwMode="auto">
+          <a:xfrm>
+            <a:off x="0" y="-2716"/>
+            <a:ext cx="3382342" cy="1343484"/>
+          </a:xfrm>
+          <a:prstGeom prst="rect">
+            <a:avLst/>
+          </a:prstGeom>
+          <a:noFill/>
+          <a:ln>
+            <a:noFill/>
+          </a:ln>
+          <a:effectLst/>
+          <a:extLst>
+            <a:ext uri="{909E8E84-426E-40DD-AFC4-6F175D3DCCD1}">
+              <a14:hiddenFill xmlns:a14="http://schemas.microsoft.com/office/drawing/2010/main">
+                <a:solidFill>
+                  <a:schemeClr val="accent1"/>
+                </a:solidFill>
+              </a14:hiddenFill>
+            </a:ext>
+            <a:ext uri="{91240B29-F687-4F45-9708-019B960494DF}">
+              <a14:hiddenLine xmlns:a14="http://schemas.microsoft.com/office/drawing/2010/main" w="9525">
+                <a:solidFill>
+                  <a:schemeClr val="tx1"/>
+                </a:solidFill>
+                <a:miter lim="800000"/>
+                <a:headEnd/>
+                <a:tailEnd/>
+              </a14:hiddenLine>
+            </a:ext>
+            <a:ext uri="{AF507438-7753-43E0-B8FC-AC1667EBCBE1}">
+              <a14:hiddenEffects xmlns:a14="http://schemas.microsoft.com/office/drawing/2010/main">
+                <a:effectLst>
+                  <a:outerShdw dist="35921" dir="2700000" algn="ctr" rotWithShape="0">
+                    <a:schemeClr val="bg2"/>
+                  </a:outerShdw>
+                </a:effectLst>
+              </a14:hiddenEffects>
+            </a:ext>
+          </a:extLst>
+        </p:spPr>
+      </p:pic>
+      <p:pic>
+        <p:nvPicPr>
+          <p:cNvPr id="2051" name="Picture 3"/>
+          <p:cNvPicPr>
+            <a:picLocks noChangeAspect="1" noChangeArrowheads="1"/>
+          </p:cNvPicPr>
+          <p:nvPr/>
+        </p:nvPicPr>
+        <p:blipFill>
+          <a:blip r:embed="rId3" cstate="print">
+            <a:extLst>
+              <a:ext uri="{28A0092B-C50C-407E-A947-70E740481C1C}">
+                <a14:useLocalDpi xmlns:a14="http://schemas.microsoft.com/office/drawing/2010/main" val="0"/>
+              </a:ext>
+            </a:extLst>
+          </a:blip>
+          <a:srcRect/>
+          <a:stretch>
+            <a:fillRect/>
+          </a:stretch>
+        </p:blipFill>
+        <p:spPr bwMode="auto">
+          <a:xfrm>
+            <a:off x="-30832" y="1340768"/>
+            <a:ext cx="3412405" cy="1267380"/>
+          </a:xfrm>
+          <a:prstGeom prst="rect">
+            <a:avLst/>
+          </a:prstGeom>
+          <a:noFill/>
+          <a:ln>
+            <a:noFill/>
+          </a:ln>
+          <a:effectLst/>
+          <a:extLst>
+            <a:ext uri="{909E8E84-426E-40DD-AFC4-6F175D3DCCD1}">
+              <a14:hiddenFill xmlns:a14="http://schemas.microsoft.com/office/drawing/2010/main">
+                <a:solidFill>
+                  <a:schemeClr val="accent1"/>
+                </a:solidFill>
+              </a14:hiddenFill>
+            </a:ext>
+            <a:ext uri="{91240B29-F687-4F45-9708-019B960494DF}">
+              <a14:hiddenLine xmlns:a14="http://schemas.microsoft.com/office/drawing/2010/main" w="9525">
+                <a:solidFill>
+                  <a:schemeClr val="tx1"/>
+                </a:solidFill>
+                <a:miter lim="800000"/>
+                <a:headEnd/>
+                <a:tailEnd/>
+              </a14:hiddenLine>
+            </a:ext>
+            <a:ext uri="{AF507438-7753-43E0-B8FC-AC1667EBCBE1}">
+              <a14:hiddenEffects xmlns:a14="http://schemas.microsoft.com/office/drawing/2010/main">
+                <a:effectLst>
+                  <a:outerShdw dist="35921" dir="2700000" algn="ctr" rotWithShape="0">
+                    <a:schemeClr val="bg2"/>
+                  </a:outerShdw>
+                </a:effectLst>
+              </a14:hiddenEffects>
+            </a:ext>
+          </a:extLst>
+        </p:spPr>
+      </p:pic>
+      <p:sp>
+        <p:nvSpPr>
+          <p:cNvPr id="4" name="TextBox 3"/>
+          <p:cNvSpPr txBox="1"/>
+          <p:nvPr/>
+        </p:nvSpPr>
+        <p:spPr>
+          <a:xfrm>
+            <a:off x="3397373" y="116632"/>
+            <a:ext cx="3622899" cy="369332"/>
+          </a:xfrm>
+          <a:prstGeom prst="rect">
+            <a:avLst/>
+          </a:prstGeom>
+          <a:noFill/>
+        </p:spPr>
+        <p:txBody>
+          <a:bodyPr wrap="square" rtlCol="0">
+            <a:spAutoFit/>
+          </a:bodyPr>
+          <a:lstStyle/>
+          <a:p>
+            <a:r>
+              <a:rPr lang="en-US" altLang="zh-CN" dirty="0" smtClean="0"/>
+              <a:t>15.</a:t>
+            </a:r>
+            <a:r>
+              <a:rPr lang="zh-CN" altLang="en-US" dirty="0" smtClean="0"/>
+              <a:t>排课功能周六勾选失灵问题</a:t>
+            </a:r>
+            <a:endParaRPr lang="zh-CN" altLang="en-US" dirty="0"/>
+          </a:p>
+        </p:txBody>
+      </p:sp>
+      <p:sp>
+        <p:nvSpPr>
+          <p:cNvPr id="7" name="TextBox 6"/>
+          <p:cNvSpPr txBox="1"/>
+          <p:nvPr/>
+        </p:nvSpPr>
+        <p:spPr>
+          <a:xfrm>
+            <a:off x="3397373" y="1441540"/>
+            <a:ext cx="3622899" cy="369332"/>
+          </a:xfrm>
+          <a:prstGeom prst="rect">
+            <a:avLst/>
+          </a:prstGeom>
+          <a:noFill/>
+        </p:spPr>
+        <p:txBody>
+          <a:bodyPr wrap="square" rtlCol="0">
+            <a:spAutoFit/>
+          </a:bodyPr>
+          <a:lstStyle/>
+          <a:p>
+            <a:r>
+              <a:rPr lang="en-US" altLang="zh-CN" dirty="0" smtClean="0"/>
+              <a:t>16.</a:t>
+            </a:r>
+            <a:r>
+              <a:rPr lang="zh-CN" altLang="en-US" dirty="0" smtClean="0"/>
+              <a:t>排课功能冲突样式问题</a:t>
+            </a:r>
+            <a:endParaRPr lang="zh-CN" altLang="en-US" dirty="0"/>
+          </a:p>
+        </p:txBody>
+      </p:sp>
+      <p:pic>
+        <p:nvPicPr>
+          <p:cNvPr id="2052" name="Picture 4"/>
+          <p:cNvPicPr>
+            <a:picLocks noChangeAspect="1" noChangeArrowheads="1"/>
+          </p:cNvPicPr>
+          <p:nvPr/>
+        </p:nvPicPr>
+        <p:blipFill>
+          <a:blip r:embed="rId4" cstate="print">
+            <a:extLst>
+              <a:ext uri="{28A0092B-C50C-407E-A947-70E740481C1C}">
+                <a14:useLocalDpi xmlns:a14="http://schemas.microsoft.com/office/drawing/2010/main" val="0"/>
+              </a:ext>
+            </a:extLst>
+          </a:blip>
+          <a:srcRect/>
+          <a:stretch>
+            <a:fillRect/>
+          </a:stretch>
+        </p:blipFill>
+        <p:spPr bwMode="auto">
+          <a:xfrm>
+            <a:off x="-15417" y="2609289"/>
+            <a:ext cx="3381573" cy="1584176"/>
+          </a:xfrm>
+          <a:prstGeom prst="rect">
+            <a:avLst/>
+          </a:prstGeom>
+          <a:noFill/>
+          <a:ln>
+            <a:noFill/>
+          </a:ln>
+          <a:effectLst/>
+          <a:extLst>
+            <a:ext uri="{909E8E84-426E-40DD-AFC4-6F175D3DCCD1}">
+              <a14:hiddenFill xmlns:a14="http://schemas.microsoft.com/office/drawing/2010/main">
+                <a:solidFill>
+                  <a:schemeClr val="accent1"/>
+                </a:solidFill>
+              </a14:hiddenFill>
+            </a:ext>
+            <a:ext uri="{91240B29-F687-4F45-9708-019B960494DF}">
+              <a14:hiddenLine xmlns:a14="http://schemas.microsoft.com/office/drawing/2010/main" w="9525">
+                <a:solidFill>
+                  <a:schemeClr val="tx1"/>
+                </a:solidFill>
+                <a:miter lim="800000"/>
+                <a:headEnd/>
+                <a:tailEnd/>
+              </a14:hiddenLine>
+            </a:ext>
+            <a:ext uri="{AF507438-7753-43E0-B8FC-AC1667EBCBE1}">
+              <a14:hiddenEffects xmlns:a14="http://schemas.microsoft.com/office/drawing/2010/main">
+                <a:effectLst>
+                  <a:outerShdw dist="35921" dir="2700000" algn="ctr" rotWithShape="0">
+                    <a:schemeClr val="bg2"/>
+                  </a:outerShdw>
+                </a:effectLst>
+              </a14:hiddenEffects>
+            </a:ext>
+          </a:extLst>
+        </p:spPr>
+      </p:pic>
+      <p:sp>
+        <p:nvSpPr>
+          <p:cNvPr id="9" name="TextBox 8"/>
+          <p:cNvSpPr txBox="1"/>
+          <p:nvPr/>
+        </p:nvSpPr>
+        <p:spPr>
+          <a:xfrm>
+            <a:off x="3397373" y="2612072"/>
+            <a:ext cx="3622899" cy="646331"/>
+          </a:xfrm>
+          <a:prstGeom prst="rect">
+            <a:avLst/>
+          </a:prstGeom>
+          <a:noFill/>
+        </p:spPr>
+        <p:txBody>
+          <a:bodyPr wrap="square" rtlCol="0">
+            <a:spAutoFit/>
+          </a:bodyPr>
+          <a:lstStyle/>
+          <a:p>
+            <a:r>
+              <a:rPr lang="en-US" altLang="zh-CN" dirty="0" smtClean="0"/>
+              <a:t>17.</a:t>
+            </a:r>
+            <a:r>
+              <a:rPr lang="zh-CN" altLang="en-US" dirty="0" smtClean="0"/>
+              <a:t>排课功能确认保存后的弹框火狐，后台正常，谷歌异常</a:t>
+            </a:r>
+            <a:endParaRPr lang="zh-CN" altLang="en-US" dirty="0"/>
+          </a:p>
+        </p:txBody>
+      </p:sp>
+    </p:spTree>
+    <p:extLst>
+      <p:ext uri="{BB962C8B-B14F-4D97-AF65-F5344CB8AC3E}">
+        <p14:creationId xmlns:p14="http://schemas.microsoft.com/office/powerpoint/2010/main" val="237412547"/>
       </p:ext>
     </p:extLst>
   </p:cSld>

--- a/个人测试任务表/0112测试问题/0112测试.pptx
+++ b/个人测试任务表/0112测试问题/0112测试.pptx
@@ -3493,58 +3493,6 @@
           <a:chExt cx="0" cy="0"/>
         </a:xfrm>
       </p:grpSpPr>
-      <p:sp>
-        <p:nvSpPr>
-          <p:cNvPr id="2" name="标题 1"/>
-          <p:cNvSpPr>
-            <a:spLocks noGrp="1"/>
-          </p:cNvSpPr>
-          <p:nvPr>
-            <p:ph type="ctrTitle"/>
-          </p:nvPr>
-        </p:nvSpPr>
-        <p:spPr>
-          <a:xfrm>
-            <a:off x="9900592" y="3933056"/>
-            <a:ext cx="216024" cy="576064"/>
-          </a:xfrm>
-        </p:spPr>
-        <p:txBody>
-          <a:bodyPr>
-            <a:normAutofit fontScale="90000"/>
-          </a:bodyPr>
-          <a:lstStyle/>
-          <a:p>
-            <a:endParaRPr lang="zh-CN" altLang="en-US" dirty="0"/>
-          </a:p>
-        </p:txBody>
-      </p:sp>
-      <p:sp>
-        <p:nvSpPr>
-          <p:cNvPr id="3" name="副标题 2"/>
-          <p:cNvSpPr>
-            <a:spLocks noGrp="1"/>
-          </p:cNvSpPr>
-          <p:nvPr>
-            <p:ph type="subTitle" idx="1"/>
-          </p:nvPr>
-        </p:nvSpPr>
-        <p:spPr>
-          <a:xfrm flipH="1">
-            <a:off x="10620672" y="4165476"/>
-            <a:ext cx="72008" cy="360040"/>
-          </a:xfrm>
-        </p:spPr>
-        <p:txBody>
-          <a:bodyPr>
-            <a:normAutofit fontScale="70000" lnSpcReduction="20000"/>
-          </a:bodyPr>
-          <a:lstStyle/>
-          <a:p>
-            <a:endParaRPr lang="zh-CN" altLang="en-US" dirty="0"/>
-          </a:p>
-        </p:txBody>
-      </p:sp>
       <p:pic>
         <p:nvPicPr>
           <p:cNvPr id="1026" name="Picture 2"/>
@@ -3637,11 +3585,7 @@
             </a:r>
             <a:r>
               <a:rPr lang="zh-CN" altLang="en-US" dirty="0" smtClean="0"/>
-              <a:t>部门</a:t>
-            </a:r>
-            <a:r>
-              <a:rPr lang="zh-CN" altLang="en-US" dirty="0" smtClean="0"/>
-              <a:t>里面有</a:t>
+              <a:t>部门里面有</a:t>
             </a:r>
             <a:r>
               <a:rPr lang="en-US" altLang="zh-CN" dirty="0" smtClean="0"/>
@@ -3678,7 +3622,7 @@
         </p:blipFill>
         <p:spPr bwMode="auto">
           <a:xfrm>
-            <a:off x="107504" y="1412776"/>
+            <a:off x="107504" y="1400225"/>
             <a:ext cx="3711622" cy="1219200"/>
           </a:xfrm>
           <a:prstGeom prst="rect">
@@ -3747,11 +3691,7 @@
             </a:r>
             <a:r>
               <a:rPr lang="zh-CN" altLang="en-US" dirty="0" smtClean="0"/>
-              <a:t>添加</a:t>
-            </a:r>
-            <a:r>
-              <a:rPr lang="zh-CN" altLang="en-US" dirty="0" smtClean="0"/>
-              <a:t>员工成功后，提示信息有误</a:t>
+              <a:t>添加员工成功后，提示信息有误</a:t>
             </a:r>
             <a:endParaRPr lang="zh-CN" altLang="en-US" dirty="0"/>
           </a:p>
@@ -3849,11 +3789,7 @@
             </a:r>
             <a:r>
               <a:rPr lang="zh-CN" altLang="en-US" dirty="0" smtClean="0"/>
-              <a:t>合同管理</a:t>
-            </a:r>
-            <a:r>
-              <a:rPr lang="zh-CN" altLang="en-US" dirty="0" smtClean="0"/>
-              <a:t>的学生显示问题</a:t>
+              <a:t>合同管理的学生显示问题</a:t>
             </a:r>
             <a:endParaRPr lang="zh-CN" altLang="en-US" dirty="0"/>
           </a:p>
@@ -3928,11 +3864,7 @@
             </a:r>
             <a:r>
               <a:rPr lang="zh-CN" altLang="en-US" dirty="0" smtClean="0"/>
-              <a:t>数量</a:t>
-            </a:r>
-            <a:r>
-              <a:rPr lang="zh-CN" altLang="en-US" dirty="0" smtClean="0"/>
-              <a:t>不对</a:t>
+              <a:t>数量不对</a:t>
             </a:r>
             <a:endParaRPr lang="zh-CN" altLang="en-US" dirty="0"/>
           </a:p>
@@ -3962,7 +3894,7 @@
         <p:spPr bwMode="auto">
           <a:xfrm>
             <a:off x="107504" y="5157190"/>
-            <a:ext cx="7776864" cy="1690489"/>
+            <a:ext cx="3711622" cy="1690489"/>
           </a:xfrm>
           <a:prstGeom prst="rect">
             <a:avLst/>
@@ -4046,36 +3978,6 @@
           <a:chExt cx="0" cy="0"/>
         </a:xfrm>
       </p:grpSpPr>
-      <p:sp>
-        <p:nvSpPr>
-          <p:cNvPr id="2" name="标题 1"/>
-          <p:cNvSpPr>
-            <a:spLocks noGrp="1"/>
-          </p:cNvSpPr>
-          <p:nvPr>
-            <p:ph type="title"/>
-          </p:nvPr>
-        </p:nvSpPr>
-        <p:spPr>
-          <a:xfrm flipV="1">
-            <a:off x="9468544" y="404664"/>
-            <a:ext cx="288032" cy="288032"/>
-          </a:xfrm>
-        </p:spPr>
-        <p:txBody>
-          <a:bodyPr>
-            <a:normAutofit fontScale="90000"/>
-          </a:bodyPr>
-          <a:lstStyle/>
-          <a:p>
-            <a:r>
-              <a:rPr lang="en-US" altLang="zh-CN" dirty="0" smtClean="0"/>
-              <a:t>.</a:t>
-            </a:r>
-            <a:endParaRPr lang="zh-CN" altLang="en-US" dirty="0"/>
-          </a:p>
-        </p:txBody>
-      </p:sp>
       <p:pic>
         <p:nvPicPr>
           <p:cNvPr id="2050" name="Picture 2" descr="D:\Documents\WXWork\1688851620363758\Cache\Image\2018-01\企业微信截图_15157582707683.png"/>
@@ -4994,7 +4896,7 @@
         <p:spPr bwMode="auto">
           <a:xfrm>
             <a:off x="21780" y="5086448"/>
-            <a:ext cx="3183209" cy="1380580"/>
+            <a:ext cx="3206848" cy="1380580"/>
           </a:xfrm>
           <a:prstGeom prst="rect">
             <a:avLst/>
